--- a/Presentations/AI - Agents.pptx
+++ b/Presentations/AI - Agents.pptx
@@ -204,7 +204,7 @@
           <a:p>
             <a:fld id="{FAF957FC-5175-49AC-8D2B-2F056FFFC1DD}" type="datetimeFigureOut">
               <a:rPr lang="en-US" smtClean="0"/>
-              <a:t>10/24/2017</a:t>
+              <a:t>11/10/2017</a:t>
             </a:fld>
             <a:endParaRPr lang="en-US"/>
           </a:p>
@@ -654,7 +654,7 @@
             <a:fld id="{1D8BD707-D9CF-40AE-B4C6-C98DA3205C09}" type="datetimeFigureOut">
               <a:rPr lang="en-US" smtClean="0"/>
               <a:pPr/>
-              <a:t>10/24/2017</a:t>
+              <a:t>11/10/2017</a:t>
             </a:fld>
             <a:endParaRPr lang="en-US"/>
           </a:p>
@@ -821,7 +821,7 @@
             <a:fld id="{1D8BD707-D9CF-40AE-B4C6-C98DA3205C09}" type="datetimeFigureOut">
               <a:rPr lang="en-US" smtClean="0"/>
               <a:pPr/>
-              <a:t>10/24/2017</a:t>
+              <a:t>11/10/2017</a:t>
             </a:fld>
             <a:endParaRPr lang="en-US"/>
           </a:p>
@@ -998,7 +998,7 @@
             <a:fld id="{1D8BD707-D9CF-40AE-B4C6-C98DA3205C09}" type="datetimeFigureOut">
               <a:rPr lang="en-US" smtClean="0"/>
               <a:pPr/>
-              <a:t>10/24/2017</a:t>
+              <a:t>11/10/2017</a:t>
             </a:fld>
             <a:endParaRPr lang="en-US"/>
           </a:p>
@@ -1165,7 +1165,7 @@
             <a:fld id="{1D8BD707-D9CF-40AE-B4C6-C98DA3205C09}" type="datetimeFigureOut">
               <a:rPr lang="en-US" smtClean="0"/>
               <a:pPr/>
-              <a:t>10/24/2017</a:t>
+              <a:t>11/10/2017</a:t>
             </a:fld>
             <a:endParaRPr lang="en-US"/>
           </a:p>
@@ -1408,7 +1408,7 @@
             <a:fld id="{1D8BD707-D9CF-40AE-B4C6-C98DA3205C09}" type="datetimeFigureOut">
               <a:rPr lang="en-US" smtClean="0"/>
               <a:pPr/>
-              <a:t>10/24/2017</a:t>
+              <a:t>11/10/2017</a:t>
             </a:fld>
             <a:endParaRPr lang="en-US"/>
           </a:p>
@@ -1693,7 +1693,7 @@
             <a:fld id="{1D8BD707-D9CF-40AE-B4C6-C98DA3205C09}" type="datetimeFigureOut">
               <a:rPr lang="en-US" smtClean="0"/>
               <a:pPr/>
-              <a:t>10/24/2017</a:t>
+              <a:t>11/10/2017</a:t>
             </a:fld>
             <a:endParaRPr lang="en-US"/>
           </a:p>
@@ -2112,7 +2112,7 @@
             <a:fld id="{1D8BD707-D9CF-40AE-B4C6-C98DA3205C09}" type="datetimeFigureOut">
               <a:rPr lang="en-US" smtClean="0"/>
               <a:pPr/>
-              <a:t>10/24/2017</a:t>
+              <a:t>11/10/2017</a:t>
             </a:fld>
             <a:endParaRPr lang="en-US"/>
           </a:p>
@@ -2227,7 +2227,7 @@
             <a:fld id="{1D8BD707-D9CF-40AE-B4C6-C98DA3205C09}" type="datetimeFigureOut">
               <a:rPr lang="en-US" smtClean="0"/>
               <a:pPr/>
-              <a:t>10/24/2017</a:t>
+              <a:t>11/10/2017</a:t>
             </a:fld>
             <a:endParaRPr lang="en-US"/>
           </a:p>
@@ -2319,7 +2319,7 @@
             <a:fld id="{1D8BD707-D9CF-40AE-B4C6-C98DA3205C09}" type="datetimeFigureOut">
               <a:rPr lang="en-US" smtClean="0"/>
               <a:pPr/>
-              <a:t>10/24/2017</a:t>
+              <a:t>11/10/2017</a:t>
             </a:fld>
             <a:endParaRPr lang="en-US"/>
           </a:p>
@@ -2593,7 +2593,7 @@
             <a:fld id="{1D8BD707-D9CF-40AE-B4C6-C98DA3205C09}" type="datetimeFigureOut">
               <a:rPr lang="en-US" smtClean="0"/>
               <a:pPr/>
-              <a:t>10/24/2017</a:t>
+              <a:t>11/10/2017</a:t>
             </a:fld>
             <a:endParaRPr lang="en-US"/>
           </a:p>
@@ -2843,7 +2843,7 @@
             <a:fld id="{1D8BD707-D9CF-40AE-B4C6-C98DA3205C09}" type="datetimeFigureOut">
               <a:rPr lang="en-US" smtClean="0"/>
               <a:pPr/>
-              <a:t>10/24/2017</a:t>
+              <a:t>11/10/2017</a:t>
             </a:fld>
             <a:endParaRPr lang="en-US"/>
           </a:p>
@@ -3053,7 +3053,7 @@
             <a:fld id="{1D8BD707-D9CF-40AE-B4C6-C98DA3205C09}" type="datetimeFigureOut">
               <a:rPr lang="en-US" smtClean="0"/>
               <a:pPr/>
-              <a:t>10/24/2017</a:t>
+              <a:t>11/10/2017</a:t>
             </a:fld>
             <a:endParaRPr lang="en-US"/>
           </a:p>
@@ -3753,27 +3753,7 @@
                   </a:schemeClr>
                 </a:solidFill>
               </a:rPr>
-              <a:t>Actions / Environment </a:t>
-            </a:r>
-            <a:r>
-              <a:rPr lang="en-US" dirty="0" smtClean="0">
-                <a:solidFill>
-                  <a:schemeClr val="accent1">
-                    <a:lumMod val="75000"/>
-                  </a:schemeClr>
-                </a:solidFill>
-              </a:rPr>
-              <a:t>(Utility-Based</a:t>
-            </a:r>
-            <a:r>
-              <a:rPr lang="en-US" dirty="0" smtClean="0">
-                <a:solidFill>
-                  <a:schemeClr val="accent1">
-                    <a:lumMod val="75000"/>
-                  </a:schemeClr>
-                </a:solidFill>
-              </a:rPr>
-              <a:t>)</a:t>
+              <a:t>Actions / Environment (Utility-Based)</a:t>
             </a:r>
             <a:endParaRPr lang="en-US" dirty="0">
               <a:solidFill>
@@ -3926,11 +3906,7 @@
             </a:r>
             <a:r>
               <a:rPr lang="en-US" sz="1400" b="1" dirty="0" smtClean="0"/>
-              <a:t> </a:t>
-            </a:r>
-            <a:r>
-              <a:rPr lang="en-US" sz="1400" b="1" dirty="0" smtClean="0"/>
-              <a:t>Agent</a:t>
+              <a:t> Agent</a:t>
             </a:r>
             <a:endParaRPr lang="en-US" sz="1400" b="1" dirty="0"/>
           </a:p>
@@ -4608,13 +4584,36 @@
               </a:rPr>
               <a:t>Predefined Model </a:t>
             </a:r>
-            <a:r>
+            <a:br>
               <a:rPr lang="en-US" sz="1200" dirty="0" smtClean="0">
                 <a:solidFill>
                   <a:srgbClr val="00B050"/>
                 </a:solidFill>
               </a:rPr>
-              <a:t/>
+            </a:br>
+            <a:r>
+              <a:rPr lang="en-US" sz="1200" dirty="0" smtClean="0">
+                <a:solidFill>
+                  <a:srgbClr val="00B050"/>
+                </a:solidFill>
+              </a:rPr>
+              <a:t>of</a:t>
+            </a:r>
+            <a:r>
+              <a:rPr lang="en-US" sz="1200" dirty="0">
+                <a:solidFill>
+                  <a:srgbClr val="00B050"/>
+                </a:solidFill>
+              </a:rPr>
+              <a:t> </a:t>
+            </a:r>
+            <a:r>
+              <a:rPr lang="en-US" sz="1200" dirty="0" smtClean="0">
+                <a:solidFill>
+                  <a:srgbClr val="00B050"/>
+                </a:solidFill>
+              </a:rPr>
+              <a:t>how the  </a:t>
             </a:r>
             <a:br>
               <a:rPr lang="en-US" sz="1200" dirty="0" smtClean="0">
@@ -4629,60 +4628,8 @@
                   <a:srgbClr val="00B050"/>
                 </a:solidFill>
               </a:rPr>
-              <a:t>of</a:t>
-            </a:r>
-            <a:r>
-              <a:rPr lang="en-US" sz="1200" dirty="0">
-                <a:solidFill>
-                  <a:srgbClr val="00B050"/>
-                </a:solidFill>
-              </a:rPr>
-              <a:t> </a:t>
-            </a:r>
-            <a:r>
-              <a:rPr lang="en-US" sz="1200" dirty="0" smtClean="0">
-                <a:solidFill>
-                  <a:srgbClr val="00B050"/>
-                </a:solidFill>
-              </a:rPr>
-              <a:t>how </a:t>
-            </a:r>
-            <a:r>
-              <a:rPr lang="en-US" sz="1200" dirty="0" smtClean="0">
-                <a:solidFill>
-                  <a:srgbClr val="00B050"/>
-                </a:solidFill>
-              </a:rPr>
-              <a:t>the  </a:t>
-            </a:r>
-            <a:r>
-              <a:rPr lang="en-US" sz="1200" dirty="0" smtClean="0">
-                <a:solidFill>
-                  <a:srgbClr val="00B050"/>
-                </a:solidFill>
-              </a:rPr>
-              <a:t/>
-            </a:r>
-            <a:br>
-              <a:rPr lang="en-US" sz="1200" dirty="0" smtClean="0">
-                <a:solidFill>
-                  <a:srgbClr val="00B050"/>
-                </a:solidFill>
-              </a:rPr>
-            </a:br>
-            <a:r>
-              <a:rPr lang="en-US" sz="1200" dirty="0" smtClean="0">
-                <a:solidFill>
-                  <a:srgbClr val="00B050"/>
-                </a:solidFill>
-              </a:rPr>
               <a:t>environment </a:t>
             </a:r>
-            <a:endParaRPr lang="en-US" sz="1200" dirty="0" smtClean="0">
-              <a:solidFill>
-                <a:srgbClr val="00B050"/>
-              </a:solidFill>
-            </a:endParaRPr>
           </a:p>
           <a:p>
             <a:r>
@@ -4790,23 +4737,7 @@
                   <a:srgbClr val="00B050"/>
                 </a:solidFill>
               </a:rPr>
-              <a:t>predicted</a:t>
-            </a:r>
-            <a:r>
-              <a:rPr lang="en-US" sz="1200" dirty="0" smtClean="0">
-                <a:solidFill>
-                  <a:srgbClr val="00B050"/>
-                </a:solidFill>
-              </a:rPr>
-              <a:t> </a:t>
-            </a:r>
-            <a:r>
-              <a:rPr lang="en-US" sz="1200" dirty="0" smtClean="0">
-                <a:solidFill>
-                  <a:srgbClr val="00B050"/>
-                </a:solidFill>
-              </a:rPr>
-              <a:t>State</a:t>
+              <a:t>predicted State</a:t>
             </a:r>
             <a:r>
               <a:rPr lang="en-US" sz="1200" dirty="0">
@@ -5237,11 +5168,6 @@
               </a:rPr>
               <a:t>the goal.</a:t>
             </a:r>
-            <a:endParaRPr lang="en-US" sz="1200" dirty="0" smtClean="0">
-              <a:solidFill>
-                <a:srgbClr val="00B050"/>
-              </a:solidFill>
-            </a:endParaRPr>
           </a:p>
         </p:txBody>
       </p:sp>
@@ -5283,8 +5209,8 @@
           </a:fontRef>
         </p:style>
       </p:cxnSp>
-      <mc:AlternateContent xmlns:mc="http://schemas.openxmlformats.org/markup-compatibility/2006">
-        <mc:Choice xmlns:a14="http://schemas.microsoft.com/office/drawing/2010/main" Requires="a14">
+      <mc:AlternateContent xmlns:mc="http://schemas.openxmlformats.org/markup-compatibility/2006" xmlns:a14="http://schemas.microsoft.com/office/drawing/2010/main">
+        <mc:Choice Requires="a14">
           <p:sp>
             <p:nvSpPr>
               <p:cNvPr id="7" name="TextBox 6"/>
@@ -5307,6 +5233,7 @@
               </a:bodyPr>
               <a:lstStyle/>
               <a:p>
+                <a:pPr/>
                 <a14:m>
                   <m:oMathPara xmlns:m="http://schemas.openxmlformats.org/officeDocument/2006/math">
                     <m:oMathParaPr>
@@ -5337,7 +5264,7 @@
             </p:txBody>
           </p:sp>
         </mc:Choice>
-        <mc:Fallback>
+        <mc:Fallback xmlns="">
           <p:sp>
             <p:nvSpPr>
               <p:cNvPr id="7" name="TextBox 6"/>
@@ -5376,8 +5303,8 @@
           </p:sp>
         </mc:Fallback>
       </mc:AlternateContent>
-      <mc:AlternateContent xmlns:mc="http://schemas.openxmlformats.org/markup-compatibility/2006">
-        <mc:Choice xmlns:a14="http://schemas.microsoft.com/office/drawing/2010/main" Requires="a14">
+      <mc:AlternateContent xmlns:mc="http://schemas.openxmlformats.org/markup-compatibility/2006" xmlns:a14="http://schemas.microsoft.com/office/drawing/2010/main">
+        <mc:Choice Requires="a14">
           <p:sp>
             <p:nvSpPr>
               <p:cNvPr id="8" name="TextBox 7"/>
@@ -5406,6 +5333,7 @@
               </a:bodyPr>
               <a:lstStyle/>
               <a:p>
+                <a:pPr/>
                 <a14:m>
                   <m:oMathPara xmlns:m="http://schemas.openxmlformats.org/officeDocument/2006/math">
                     <m:oMathParaPr>
@@ -5502,7 +5430,7 @@
             </p:txBody>
           </p:sp>
         </mc:Choice>
-        <mc:Fallback>
+        <mc:Fallback xmlns="">
           <p:sp>
             <p:nvSpPr>
               <p:cNvPr id="8" name="TextBox 7"/>
@@ -5597,11 +5525,6 @@
               </a:rPr>
               <a:t>Towards achieving a goal.</a:t>
             </a:r>
-            <a:endParaRPr lang="en-US" sz="1200" dirty="0" smtClean="0">
-              <a:solidFill>
-                <a:srgbClr val="C00000"/>
-              </a:solidFill>
-            </a:endParaRPr>
           </a:p>
         </p:txBody>
       </p:sp>
@@ -5832,11 +5755,6 @@
               </a:rPr>
               <a:t>Learn the Utility (learn to measure the value of a state)</a:t>
             </a:r>
-            <a:endParaRPr lang="en-US" sz="2800" b="1" dirty="0" smtClean="0">
-              <a:solidFill>
-                <a:srgbClr val="00B050"/>
-              </a:solidFill>
-            </a:endParaRPr>
           </a:p>
           <a:p>
             <a:endParaRPr lang="en-US" sz="2800" b="1" dirty="0">
@@ -6899,15 +6817,7 @@
                   <a:srgbClr val="00B050"/>
                 </a:solidFill>
               </a:rPr>
-              <a:t>(Presumed/Known) </a:t>
-            </a:r>
-            <a:r>
-              <a:rPr lang="en-US" sz="1200" dirty="0" smtClean="0">
-                <a:solidFill>
-                  <a:srgbClr val="00B050"/>
-                </a:solidFill>
-              </a:rPr>
-              <a:t>State of the Agent</a:t>
+              <a:t>(Presumed/Known) State of the Agent</a:t>
             </a:r>
           </a:p>
           <a:p>
@@ -7140,37 +7050,7 @@
                   </a:schemeClr>
                 </a:solidFill>
               </a:rPr>
-              <a:t>A </a:t>
-            </a:r>
-            <a:r>
-              <a:rPr lang="en-US" b="1" dirty="0" smtClean="0">
-                <a:solidFill>
-                  <a:schemeClr val="accent5">
-                    <a:lumMod val="75000"/>
-                  </a:schemeClr>
-                </a:solidFill>
-              </a:rPr>
-              <a:t>learning agent dynamically learns a Policy </a:t>
-            </a:r>
-            <a:r>
-              <a:rPr lang="en-US" b="1" dirty="0" smtClean="0">
-                <a:solidFill>
-                  <a:schemeClr val="accent5">
-                    <a:lumMod val="75000"/>
-                  </a:schemeClr>
-                </a:solidFill>
-              </a:rPr>
-              <a:t>to </a:t>
-            </a:r>
-            <a:r>
-              <a:rPr lang="en-US" b="1" dirty="0" smtClean="0">
-                <a:solidFill>
-                  <a:schemeClr val="accent5">
-                    <a:lumMod val="75000"/>
-                  </a:schemeClr>
-                </a:solidFill>
-              </a:rPr>
-              <a:t>model the Environment and build Action/State rules. </a:t>
+              <a:t>A learning agent dynamically learns a Policy to model the Environment and build Action/State rules. </a:t>
             </a:r>
             <a:endParaRPr lang="en-US" b="1" dirty="0">
               <a:solidFill>
@@ -7206,11 +7086,7 @@
           <a:p>
             <a:r>
               <a:rPr lang="en-US" b="1" dirty="0" smtClean="0"/>
-              <a:t>Works in Environments </a:t>
-            </a:r>
-            <a:r>
-              <a:rPr lang="en-US" b="1" dirty="0" smtClean="0"/>
-              <a:t>that are Dynamically Changing (Stochastic)</a:t>
+              <a:t>Works in Environments that are Dynamically Changing (Stochastic)</a:t>
             </a:r>
             <a:endParaRPr lang="en-US" b="1" dirty="0"/>
           </a:p>
@@ -7810,15 +7686,7 @@
                   <a:srgbClr val="00B050"/>
                 </a:solidFill>
               </a:rPr>
-              <a:t>A </a:t>
-            </a:r>
-            <a:r>
-              <a:rPr lang="en-US" sz="1200" dirty="0" smtClean="0">
-                <a:solidFill>
-                  <a:srgbClr val="00B050"/>
-                </a:solidFill>
-              </a:rPr>
-              <a:t>goal(s) to achieve,</a:t>
+              <a:t>A goal(s) to achieve,</a:t>
             </a:r>
           </a:p>
           <a:p>
@@ -16784,15 +16652,7 @@
                   <a:srgbClr val="00B050"/>
                 </a:solidFill>
               </a:rPr>
-              <a:t>(Presumed/Known) </a:t>
-            </a:r>
-            <a:r>
-              <a:rPr lang="en-US" sz="1200" dirty="0" smtClean="0">
-                <a:solidFill>
-                  <a:srgbClr val="00B050"/>
-                </a:solidFill>
-              </a:rPr>
-              <a:t>State of the Agent</a:t>
+              <a:t>(Presumed/Known) State of the Agent</a:t>
             </a:r>
           </a:p>
           <a:p>
@@ -17193,17 +17053,27 @@
                   </a:schemeClr>
                 </a:solidFill>
               </a:rPr>
-              <a:t>A goal-based </a:t>
-            </a:r>
-            <a:r>
-              <a:rPr lang="en-US" b="1" dirty="0" smtClean="0">
+              <a:t>A goal-based agent uses a goal(s) to evaluate </a:t>
+            </a:r>
+            <a:r>
+              <a:rPr lang="en-US" b="1" u="sng" dirty="0" smtClean="0">
                 <a:solidFill>
                   <a:schemeClr val="accent5">
                     <a:lumMod val="75000"/>
                   </a:schemeClr>
                 </a:solidFill>
               </a:rPr>
-              <a:t>agent uses a goal(s) to evaluate how close to achieving the goal is the next possible action.</a:t>
+              <a:t>how close </a:t>
+            </a:r>
+            <a:r>
+              <a:rPr lang="en-US" b="1" dirty="0" smtClean="0">
+                <a:solidFill>
+                  <a:schemeClr val="accent5">
+                    <a:lumMod val="75000"/>
+                  </a:schemeClr>
+                </a:solidFill>
+              </a:rPr>
+              <a:t>to achieving the goal is the next possible action.</a:t>
             </a:r>
             <a:endParaRPr lang="en-US" b="1" dirty="0">
               <a:solidFill>
@@ -17239,11 +17109,7 @@
           <a:p>
             <a:r>
               <a:rPr lang="en-US" b="1" dirty="0" smtClean="0"/>
-              <a:t>Works in Environments </a:t>
-            </a:r>
-            <a:r>
-              <a:rPr lang="en-US" b="1" dirty="0" smtClean="0"/>
-              <a:t>which need to predict the future.</a:t>
+              <a:t>Works in Environments which need to predict the future.</a:t>
             </a:r>
             <a:endParaRPr lang="en-US" b="1" dirty="0"/>
           </a:p>
@@ -17839,15 +17705,7 @@
                   <a:srgbClr val="C00000"/>
                 </a:solidFill>
               </a:rPr>
-              <a:t>A </a:t>
-            </a:r>
-            <a:r>
-              <a:rPr lang="en-US" sz="1200" dirty="0" smtClean="0">
-                <a:solidFill>
-                  <a:srgbClr val="C00000"/>
-                </a:solidFill>
-              </a:rPr>
-              <a:t>goal(s) to achieve,</a:t>
+              <a:t>A goal(s) to achieve,</a:t>
             </a:r>
           </a:p>
           <a:p>
@@ -18003,27 +17861,7 @@
                   </a:schemeClr>
                 </a:solidFill>
               </a:rPr>
-              <a:t>Actions / Environment </a:t>
-            </a:r>
-            <a:r>
-              <a:rPr lang="en-US" dirty="0" smtClean="0">
-                <a:solidFill>
-                  <a:schemeClr val="accent1">
-                    <a:lumMod val="75000"/>
-                  </a:schemeClr>
-                </a:solidFill>
-              </a:rPr>
-              <a:t>(Goal-Based</a:t>
-            </a:r>
-            <a:r>
-              <a:rPr lang="en-US" dirty="0" smtClean="0">
-                <a:solidFill>
-                  <a:schemeClr val="accent1">
-                    <a:lumMod val="75000"/>
-                  </a:schemeClr>
-                </a:solidFill>
-              </a:rPr>
-              <a:t>)</a:t>
+              <a:t>Actions / Environment (Goal-Based)</a:t>
             </a:r>
             <a:endParaRPr lang="en-US" dirty="0">
               <a:solidFill>
@@ -18176,11 +18014,7 @@
             </a:r>
             <a:r>
               <a:rPr lang="en-US" sz="1400" b="1" dirty="0" smtClean="0"/>
-              <a:t> </a:t>
-            </a:r>
-            <a:r>
-              <a:rPr lang="en-US" sz="1400" b="1" dirty="0" smtClean="0"/>
-              <a:t>Agent</a:t>
+              <a:t> Agent</a:t>
             </a:r>
             <a:endParaRPr lang="en-US" sz="1400" b="1" dirty="0"/>
           </a:p>
@@ -18858,13 +18692,36 @@
               </a:rPr>
               <a:t>Predefined Model </a:t>
             </a:r>
-            <a:r>
+            <a:br>
               <a:rPr lang="en-US" sz="1200" dirty="0" smtClean="0">
                 <a:solidFill>
                   <a:srgbClr val="00B050"/>
                 </a:solidFill>
               </a:rPr>
-              <a:t/>
+            </a:br>
+            <a:r>
+              <a:rPr lang="en-US" sz="1200" dirty="0" smtClean="0">
+                <a:solidFill>
+                  <a:srgbClr val="00B050"/>
+                </a:solidFill>
+              </a:rPr>
+              <a:t>of</a:t>
+            </a:r>
+            <a:r>
+              <a:rPr lang="en-US" sz="1200" dirty="0">
+                <a:solidFill>
+                  <a:srgbClr val="00B050"/>
+                </a:solidFill>
+              </a:rPr>
+              <a:t> </a:t>
+            </a:r>
+            <a:r>
+              <a:rPr lang="en-US" sz="1200" dirty="0" smtClean="0">
+                <a:solidFill>
+                  <a:srgbClr val="00B050"/>
+                </a:solidFill>
+              </a:rPr>
+              <a:t>how the  </a:t>
             </a:r>
             <a:br>
               <a:rPr lang="en-US" sz="1200" dirty="0" smtClean="0">
@@ -18879,60 +18736,8 @@
                   <a:srgbClr val="00B050"/>
                 </a:solidFill>
               </a:rPr>
-              <a:t>of</a:t>
-            </a:r>
-            <a:r>
-              <a:rPr lang="en-US" sz="1200" dirty="0">
-                <a:solidFill>
-                  <a:srgbClr val="00B050"/>
-                </a:solidFill>
-              </a:rPr>
-              <a:t> </a:t>
-            </a:r>
-            <a:r>
-              <a:rPr lang="en-US" sz="1200" dirty="0" smtClean="0">
-                <a:solidFill>
-                  <a:srgbClr val="00B050"/>
-                </a:solidFill>
-              </a:rPr>
-              <a:t>how </a:t>
-            </a:r>
-            <a:r>
-              <a:rPr lang="en-US" sz="1200" dirty="0" smtClean="0">
-                <a:solidFill>
-                  <a:srgbClr val="00B050"/>
-                </a:solidFill>
-              </a:rPr>
-              <a:t>the  </a:t>
-            </a:r>
-            <a:r>
-              <a:rPr lang="en-US" sz="1200" dirty="0" smtClean="0">
-                <a:solidFill>
-                  <a:srgbClr val="00B050"/>
-                </a:solidFill>
-              </a:rPr>
-              <a:t/>
-            </a:r>
-            <a:br>
-              <a:rPr lang="en-US" sz="1200" dirty="0" smtClean="0">
-                <a:solidFill>
-                  <a:srgbClr val="00B050"/>
-                </a:solidFill>
-              </a:rPr>
-            </a:br>
-            <a:r>
-              <a:rPr lang="en-US" sz="1200" dirty="0" smtClean="0">
-                <a:solidFill>
-                  <a:srgbClr val="00B050"/>
-                </a:solidFill>
-              </a:rPr>
               <a:t>environment </a:t>
             </a:r>
-            <a:endParaRPr lang="en-US" sz="1200" dirty="0" smtClean="0">
-              <a:solidFill>
-                <a:srgbClr val="00B050"/>
-              </a:solidFill>
-            </a:endParaRPr>
           </a:p>
           <a:p>
             <a:r>
@@ -19048,15 +18853,7 @@
                   <a:srgbClr val="00B050"/>
                 </a:solidFill>
               </a:rPr>
-              <a:t> </a:t>
-            </a:r>
-            <a:r>
-              <a:rPr lang="en-US" sz="1200" dirty="0" smtClean="0">
-                <a:solidFill>
-                  <a:srgbClr val="00B050"/>
-                </a:solidFill>
-              </a:rPr>
-              <a:t>predicted</a:t>
+              <a:t> predicted</a:t>
             </a:r>
             <a:r>
               <a:rPr lang="en-US" sz="1200" dirty="0">
@@ -19501,11 +19298,6 @@
               </a:rPr>
               <a:t>the goal.</a:t>
             </a:r>
-            <a:endParaRPr lang="en-US" sz="1200" dirty="0" smtClean="0">
-              <a:solidFill>
-                <a:srgbClr val="C00000"/>
-              </a:solidFill>
-            </a:endParaRPr>
           </a:p>
         </p:txBody>
       </p:sp>
@@ -20597,15 +20389,7 @@
                   <a:srgbClr val="00B050"/>
                 </a:solidFill>
               </a:rPr>
-              <a:t>(Presumed/Known) </a:t>
-            </a:r>
-            <a:r>
-              <a:rPr lang="en-US" sz="1200" dirty="0" smtClean="0">
-                <a:solidFill>
-                  <a:srgbClr val="00B050"/>
-                </a:solidFill>
-              </a:rPr>
-              <a:t>State of the Agent</a:t>
+              <a:t>(Presumed/Known) State of the Agent</a:t>
             </a:r>
           </a:p>
           <a:p>
@@ -21006,27 +20790,37 @@
                   </a:schemeClr>
                 </a:solidFill>
               </a:rPr>
-              <a:t>A </a:t>
-            </a:r>
-            <a:r>
-              <a:rPr lang="en-US" b="1" dirty="0" smtClean="0">
+              <a:t>A utility-based agent uses a utility to </a:t>
+            </a:r>
+            <a:r>
+              <a:rPr lang="en-US" b="1" u="sng" dirty="0" smtClean="0">
                 <a:solidFill>
                   <a:schemeClr val="accent5">
                     <a:lumMod val="75000"/>
                   </a:schemeClr>
                 </a:solidFill>
               </a:rPr>
-              <a:t>utility-based agent uses a utility to measure the </a:t>
-            </a:r>
-            <a:r>
-              <a:rPr lang="en-US" b="1" dirty="0">
+              <a:t>measure the </a:t>
+            </a:r>
+            <a:r>
+              <a:rPr lang="en-US" b="1" u="sng" dirty="0">
                 <a:solidFill>
                   <a:schemeClr val="accent5">
                     <a:lumMod val="75000"/>
                   </a:schemeClr>
                 </a:solidFill>
               </a:rPr>
-              <a:t>value of the next possible </a:t>
+              <a:t>value </a:t>
+            </a:r>
+            <a:r>
+              <a:rPr lang="en-US" b="1" dirty="0">
+                <a:solidFill>
+                  <a:schemeClr val="accent5">
+                    <a:lumMod val="75000"/>
+                  </a:schemeClr>
+                </a:solidFill>
+              </a:rPr>
+              <a:t>of the next possible </a:t>
             </a:r>
             <a:r>
               <a:rPr lang="en-US" b="1" dirty="0" smtClean="0">
@@ -21072,11 +20866,7 @@
           <a:p>
             <a:r>
               <a:rPr lang="en-US" b="1" dirty="0" smtClean="0"/>
-              <a:t>Works in Environments </a:t>
-            </a:r>
-            <a:r>
-              <a:rPr lang="en-US" b="1" dirty="0" smtClean="0"/>
-              <a:t>which must optimize achieving the Goal.</a:t>
+              <a:t>Works in Environments which must optimize achieving the Goal.</a:t>
             </a:r>
             <a:endParaRPr lang="en-US" b="1" dirty="0"/>
           </a:p>
@@ -21672,15 +21462,7 @@
                   <a:srgbClr val="00B050"/>
                 </a:solidFill>
               </a:rPr>
-              <a:t>A </a:t>
-            </a:r>
-            <a:r>
-              <a:rPr lang="en-US" sz="1200" dirty="0" smtClean="0">
-                <a:solidFill>
-                  <a:srgbClr val="00B050"/>
-                </a:solidFill>
-              </a:rPr>
-              <a:t>goal(s) to achieve,</a:t>
+              <a:t>A goal(s) to achieve,</a:t>
             </a:r>
           </a:p>
           <a:p>
